--- a/07 Reporting/problem_example.pptx
+++ b/07 Reporting/problem_example.pptx
@@ -2324,7 +2324,7 @@
                           <a:ea typeface="Arial"/>
                           <a:sym typeface="Arial"/>
                         </a:rPr>
-                        <a:t>BC</a:t>
+                        <a:t>BCD</a:t>
                       </a:r>
                     </a:p>
                   </a:txBody>
@@ -2385,7 +2385,7 @@
                           <a:ea typeface="Arial"/>
                           <a:sym typeface="Arial"/>
                         </a:rPr>
-                        <a:t>BC</a:t>
+                        <a:t>BCD</a:t>
                       </a:r>
                     </a:p>
                   </a:txBody>
@@ -2446,7 +2446,7 @@
                           <a:ea typeface="Arial"/>
                           <a:sym typeface="Arial"/>
                         </a:rPr>
-                        <a:t>BC</a:t>
+                        <a:t>BCD</a:t>
                       </a:r>
                     </a:p>
                   </a:txBody>
